--- a/ppt 16-9/1155.我美丽的家.pptx
+++ b/ppt 16-9/1155.我美丽的家.pptx
@@ -129,7 +129,7 @@
           <p:cNvPr id="2" name="标题 1">
             <a:extLst>
               <a:ext uri="{FF2B5EF4-FFF2-40B4-BE49-F238E27FC236}">
-                <a16:creationId xmlns:a16="http://schemas.microsoft.com/office/drawing/2014/main" id="{0A1A01A1-5737-B540-41F6-87FAA35E3D6F}"/>
+                <a16:creationId xmlns:a16="http://schemas.microsoft.com/office/drawing/2014/main" id="{85CB0422-38B3-A830-A844-C388FD580CAA}"/>
               </a:ext>
             </a:extLst>
           </p:cNvPr>
@@ -166,7 +166,7 @@
           <p:cNvPr id="3" name="副标题 2">
             <a:extLst>
               <a:ext uri="{FF2B5EF4-FFF2-40B4-BE49-F238E27FC236}">
-                <a16:creationId xmlns:a16="http://schemas.microsoft.com/office/drawing/2014/main" id="{BCD9F8A9-ED33-987E-2BFE-0AF33C239169}"/>
+                <a16:creationId xmlns:a16="http://schemas.microsoft.com/office/drawing/2014/main" id="{9C313776-D70A-91EB-5127-BEDB681BEA89}"/>
               </a:ext>
             </a:extLst>
           </p:cNvPr>
@@ -236,7 +236,7 @@
           <p:cNvPr id="4" name="日期占位符 3">
             <a:extLst>
               <a:ext uri="{FF2B5EF4-FFF2-40B4-BE49-F238E27FC236}">
-                <a16:creationId xmlns:a16="http://schemas.microsoft.com/office/drawing/2014/main" id="{6AB409D4-1ACD-04AF-D17D-900491DEA902}"/>
+                <a16:creationId xmlns:a16="http://schemas.microsoft.com/office/drawing/2014/main" id="{9A5DD2F3-A264-706B-8083-B9F979C072F7}"/>
               </a:ext>
             </a:extLst>
           </p:cNvPr>
@@ -252,7 +252,7 @@
           <a:bodyPr/>
           <a:lstStyle/>
           <a:p>
-            <a:fld id="{ED50E743-C6FD-4797-9E8D-4F5930DD2321}" type="datetimeFigureOut">
+            <a:fld id="{B57CF7FD-743F-4B99-8D59-FC89C9AB5A3D}" type="datetimeFigureOut">
               <a:rPr lang="zh-CN" altLang="en-US" smtClean="0"/>
               <a:t>2024/3/10</a:t>
             </a:fld>
@@ -265,7 +265,7 @@
           <p:cNvPr id="5" name="页脚占位符 4">
             <a:extLst>
               <a:ext uri="{FF2B5EF4-FFF2-40B4-BE49-F238E27FC236}">
-                <a16:creationId xmlns:a16="http://schemas.microsoft.com/office/drawing/2014/main" id="{9B30FA50-39E4-A4B6-B5BE-5A8C0963BC83}"/>
+                <a16:creationId xmlns:a16="http://schemas.microsoft.com/office/drawing/2014/main" id="{7BD243B1-C1A5-1284-3222-A93BDA950B15}"/>
               </a:ext>
             </a:extLst>
           </p:cNvPr>
@@ -290,7 +290,7 @@
           <p:cNvPr id="6" name="灯片编号占位符 5">
             <a:extLst>
               <a:ext uri="{FF2B5EF4-FFF2-40B4-BE49-F238E27FC236}">
-                <a16:creationId xmlns:a16="http://schemas.microsoft.com/office/drawing/2014/main" id="{137D704C-E5AA-3CA8-D2AD-09E71972360D}"/>
+                <a16:creationId xmlns:a16="http://schemas.microsoft.com/office/drawing/2014/main" id="{10FF36D0-BFD6-7B37-163E-62C3EC3BFDB4}"/>
               </a:ext>
             </a:extLst>
           </p:cNvPr>
@@ -306,7 +306,7 @@
           <a:bodyPr/>
           <a:lstStyle/>
           <a:p>
-            <a:fld id="{939FE47B-72E5-430A-A097-671EFC44DD52}" type="slidenum">
+            <a:fld id="{D0AC92BF-18C8-4B48-960F-DBA0AC4418F4}" type="slidenum">
               <a:rPr lang="zh-CN" altLang="en-US" smtClean="0"/>
               <a:t>‹#›</a:t>
             </a:fld>
@@ -317,7 +317,7 @@
     </p:spTree>
     <p:extLst>
       <p:ext uri="{BB962C8B-B14F-4D97-AF65-F5344CB8AC3E}">
-        <p14:creationId xmlns:p14="http://schemas.microsoft.com/office/powerpoint/2010/main" val="1226706208"/>
+        <p14:creationId xmlns:p14="http://schemas.microsoft.com/office/powerpoint/2010/main" val="154590629"/>
       </p:ext>
     </p:extLst>
   </p:cSld>
@@ -349,7 +349,7 @@
           <p:cNvPr id="2" name="标题 1">
             <a:extLst>
               <a:ext uri="{FF2B5EF4-FFF2-40B4-BE49-F238E27FC236}">
-                <a16:creationId xmlns:a16="http://schemas.microsoft.com/office/drawing/2014/main" id="{473EE9FB-7837-3E72-56C9-B5407F58F724}"/>
+                <a16:creationId xmlns:a16="http://schemas.microsoft.com/office/drawing/2014/main" id="{8D7637BA-AE18-9AC8-E523-9532E0FE8A2A}"/>
               </a:ext>
             </a:extLst>
           </p:cNvPr>
@@ -377,7 +377,7 @@
           <p:cNvPr id="3" name="竖排文字占位符 2">
             <a:extLst>
               <a:ext uri="{FF2B5EF4-FFF2-40B4-BE49-F238E27FC236}">
-                <a16:creationId xmlns:a16="http://schemas.microsoft.com/office/drawing/2014/main" id="{2BF232C8-CC6F-03F1-983B-495DF5E563A1}"/>
+                <a16:creationId xmlns:a16="http://schemas.microsoft.com/office/drawing/2014/main" id="{7CD381B3-2351-E0A8-458C-458CD5A713A2}"/>
               </a:ext>
             </a:extLst>
           </p:cNvPr>
@@ -434,7 +434,7 @@
           <p:cNvPr id="4" name="日期占位符 3">
             <a:extLst>
               <a:ext uri="{FF2B5EF4-FFF2-40B4-BE49-F238E27FC236}">
-                <a16:creationId xmlns:a16="http://schemas.microsoft.com/office/drawing/2014/main" id="{F113B114-3467-63D1-1AC5-16D6E263D236}"/>
+                <a16:creationId xmlns:a16="http://schemas.microsoft.com/office/drawing/2014/main" id="{94276EFB-7D9D-38BB-CC38-FC53B7FD96F1}"/>
               </a:ext>
             </a:extLst>
           </p:cNvPr>
@@ -450,7 +450,7 @@
           <a:bodyPr/>
           <a:lstStyle/>
           <a:p>
-            <a:fld id="{ED50E743-C6FD-4797-9E8D-4F5930DD2321}" type="datetimeFigureOut">
+            <a:fld id="{B57CF7FD-743F-4B99-8D59-FC89C9AB5A3D}" type="datetimeFigureOut">
               <a:rPr lang="zh-CN" altLang="en-US" smtClean="0"/>
               <a:t>2024/3/10</a:t>
             </a:fld>
@@ -463,7 +463,7 @@
           <p:cNvPr id="5" name="页脚占位符 4">
             <a:extLst>
               <a:ext uri="{FF2B5EF4-FFF2-40B4-BE49-F238E27FC236}">
-                <a16:creationId xmlns:a16="http://schemas.microsoft.com/office/drawing/2014/main" id="{7D4AA643-0200-7418-CBF5-F05F531B65BD}"/>
+                <a16:creationId xmlns:a16="http://schemas.microsoft.com/office/drawing/2014/main" id="{9A3781D1-EA01-79BF-863E-DE6FFAF21ABE}"/>
               </a:ext>
             </a:extLst>
           </p:cNvPr>
@@ -488,7 +488,7 @@
           <p:cNvPr id="6" name="灯片编号占位符 5">
             <a:extLst>
               <a:ext uri="{FF2B5EF4-FFF2-40B4-BE49-F238E27FC236}">
-                <a16:creationId xmlns:a16="http://schemas.microsoft.com/office/drawing/2014/main" id="{494741FD-CDB0-18B8-78B1-D33ECF89CB8B}"/>
+                <a16:creationId xmlns:a16="http://schemas.microsoft.com/office/drawing/2014/main" id="{B7309A2B-D567-B7C1-9923-8A5FCD702CC8}"/>
               </a:ext>
             </a:extLst>
           </p:cNvPr>
@@ -504,7 +504,7 @@
           <a:bodyPr/>
           <a:lstStyle/>
           <a:p>
-            <a:fld id="{939FE47B-72E5-430A-A097-671EFC44DD52}" type="slidenum">
+            <a:fld id="{D0AC92BF-18C8-4B48-960F-DBA0AC4418F4}" type="slidenum">
               <a:rPr lang="zh-CN" altLang="en-US" smtClean="0"/>
               <a:t>‹#›</a:t>
             </a:fld>
@@ -515,7 +515,7 @@
     </p:spTree>
     <p:extLst>
       <p:ext uri="{BB962C8B-B14F-4D97-AF65-F5344CB8AC3E}">
-        <p14:creationId xmlns:p14="http://schemas.microsoft.com/office/powerpoint/2010/main" val="859240767"/>
+        <p14:creationId xmlns:p14="http://schemas.microsoft.com/office/powerpoint/2010/main" val="1014992045"/>
       </p:ext>
     </p:extLst>
   </p:cSld>
@@ -547,7 +547,7 @@
           <p:cNvPr id="2" name="竖排标题 1">
             <a:extLst>
               <a:ext uri="{FF2B5EF4-FFF2-40B4-BE49-F238E27FC236}">
-                <a16:creationId xmlns:a16="http://schemas.microsoft.com/office/drawing/2014/main" id="{D9E6F984-974C-D34E-5297-CB682000B5DD}"/>
+                <a16:creationId xmlns:a16="http://schemas.microsoft.com/office/drawing/2014/main" id="{B08E5465-985F-E4D1-CDEF-C2EFF85418BD}"/>
               </a:ext>
             </a:extLst>
           </p:cNvPr>
@@ -580,7 +580,7 @@
           <p:cNvPr id="3" name="竖排文字占位符 2">
             <a:extLst>
               <a:ext uri="{FF2B5EF4-FFF2-40B4-BE49-F238E27FC236}">
-                <a16:creationId xmlns:a16="http://schemas.microsoft.com/office/drawing/2014/main" id="{2AE713C5-3E60-B463-1A07-B55E8F35F794}"/>
+                <a16:creationId xmlns:a16="http://schemas.microsoft.com/office/drawing/2014/main" id="{D3A2B8C2-0A88-5150-EDA5-D8C1C3F160A5}"/>
               </a:ext>
             </a:extLst>
           </p:cNvPr>
@@ -642,7 +642,7 @@
           <p:cNvPr id="4" name="日期占位符 3">
             <a:extLst>
               <a:ext uri="{FF2B5EF4-FFF2-40B4-BE49-F238E27FC236}">
-                <a16:creationId xmlns:a16="http://schemas.microsoft.com/office/drawing/2014/main" id="{C42DA28F-595F-A365-D884-DAF4A9A09AA0}"/>
+                <a16:creationId xmlns:a16="http://schemas.microsoft.com/office/drawing/2014/main" id="{37278BE6-B8B7-28E7-220F-22792A5D2BB8}"/>
               </a:ext>
             </a:extLst>
           </p:cNvPr>
@@ -658,7 +658,7 @@
           <a:bodyPr/>
           <a:lstStyle/>
           <a:p>
-            <a:fld id="{ED50E743-C6FD-4797-9E8D-4F5930DD2321}" type="datetimeFigureOut">
+            <a:fld id="{B57CF7FD-743F-4B99-8D59-FC89C9AB5A3D}" type="datetimeFigureOut">
               <a:rPr lang="zh-CN" altLang="en-US" smtClean="0"/>
               <a:t>2024/3/10</a:t>
             </a:fld>
@@ -671,7 +671,7 @@
           <p:cNvPr id="5" name="页脚占位符 4">
             <a:extLst>
               <a:ext uri="{FF2B5EF4-FFF2-40B4-BE49-F238E27FC236}">
-                <a16:creationId xmlns:a16="http://schemas.microsoft.com/office/drawing/2014/main" id="{3E3D3371-76D0-6986-10B7-C017931E7007}"/>
+                <a16:creationId xmlns:a16="http://schemas.microsoft.com/office/drawing/2014/main" id="{5FCFFA0F-4180-308C-03F6-D3889D9F11A0}"/>
               </a:ext>
             </a:extLst>
           </p:cNvPr>
@@ -696,7 +696,7 @@
           <p:cNvPr id="6" name="灯片编号占位符 5">
             <a:extLst>
               <a:ext uri="{FF2B5EF4-FFF2-40B4-BE49-F238E27FC236}">
-                <a16:creationId xmlns:a16="http://schemas.microsoft.com/office/drawing/2014/main" id="{6CA369ED-90E0-A8AB-5BF2-444C0C4A9204}"/>
+                <a16:creationId xmlns:a16="http://schemas.microsoft.com/office/drawing/2014/main" id="{4CC2DD49-8CFB-1A82-64B7-5C45878D97FB}"/>
               </a:ext>
             </a:extLst>
           </p:cNvPr>
@@ -712,7 +712,7 @@
           <a:bodyPr/>
           <a:lstStyle/>
           <a:p>
-            <a:fld id="{939FE47B-72E5-430A-A097-671EFC44DD52}" type="slidenum">
+            <a:fld id="{D0AC92BF-18C8-4B48-960F-DBA0AC4418F4}" type="slidenum">
               <a:rPr lang="zh-CN" altLang="en-US" smtClean="0"/>
               <a:t>‹#›</a:t>
             </a:fld>
@@ -723,7 +723,7 @@
     </p:spTree>
     <p:extLst>
       <p:ext uri="{BB962C8B-B14F-4D97-AF65-F5344CB8AC3E}">
-        <p14:creationId xmlns:p14="http://schemas.microsoft.com/office/powerpoint/2010/main" val="1900064258"/>
+        <p14:creationId xmlns:p14="http://schemas.microsoft.com/office/powerpoint/2010/main" val="330643240"/>
       </p:ext>
     </p:extLst>
   </p:cSld>
@@ -755,7 +755,7 @@
           <p:cNvPr id="2" name="标题 1">
             <a:extLst>
               <a:ext uri="{FF2B5EF4-FFF2-40B4-BE49-F238E27FC236}">
-                <a16:creationId xmlns:a16="http://schemas.microsoft.com/office/drawing/2014/main" id="{3313CDF5-1B2B-555E-1D87-33C07D739E09}"/>
+                <a16:creationId xmlns:a16="http://schemas.microsoft.com/office/drawing/2014/main" id="{829E8014-4BE6-F0C1-2FA4-A255E671A9B0}"/>
               </a:ext>
             </a:extLst>
           </p:cNvPr>
@@ -783,7 +783,7 @@
           <p:cNvPr id="3" name="内容占位符 2">
             <a:extLst>
               <a:ext uri="{FF2B5EF4-FFF2-40B4-BE49-F238E27FC236}">
-                <a16:creationId xmlns:a16="http://schemas.microsoft.com/office/drawing/2014/main" id="{E8DC333B-88CA-FFED-34D5-8D05A9EC6A4E}"/>
+                <a16:creationId xmlns:a16="http://schemas.microsoft.com/office/drawing/2014/main" id="{6B270322-24DC-2856-2E0E-D56F8C16D6FA}"/>
               </a:ext>
             </a:extLst>
           </p:cNvPr>
@@ -840,7 +840,7 @@
           <p:cNvPr id="4" name="日期占位符 3">
             <a:extLst>
               <a:ext uri="{FF2B5EF4-FFF2-40B4-BE49-F238E27FC236}">
-                <a16:creationId xmlns:a16="http://schemas.microsoft.com/office/drawing/2014/main" id="{58B425A2-B563-14A2-DC1E-D42369679E65}"/>
+                <a16:creationId xmlns:a16="http://schemas.microsoft.com/office/drawing/2014/main" id="{68429A5D-49CA-47D3-7018-37A65AA0ADF1}"/>
               </a:ext>
             </a:extLst>
           </p:cNvPr>
@@ -856,7 +856,7 @@
           <a:bodyPr/>
           <a:lstStyle/>
           <a:p>
-            <a:fld id="{ED50E743-C6FD-4797-9E8D-4F5930DD2321}" type="datetimeFigureOut">
+            <a:fld id="{B57CF7FD-743F-4B99-8D59-FC89C9AB5A3D}" type="datetimeFigureOut">
               <a:rPr lang="zh-CN" altLang="en-US" smtClean="0"/>
               <a:t>2024/3/10</a:t>
             </a:fld>
@@ -869,7 +869,7 @@
           <p:cNvPr id="5" name="页脚占位符 4">
             <a:extLst>
               <a:ext uri="{FF2B5EF4-FFF2-40B4-BE49-F238E27FC236}">
-                <a16:creationId xmlns:a16="http://schemas.microsoft.com/office/drawing/2014/main" id="{6FB5AE7C-C69D-76BA-BE28-1B2AC9E2B11C}"/>
+                <a16:creationId xmlns:a16="http://schemas.microsoft.com/office/drawing/2014/main" id="{CEA6D6C9-575C-1C3A-9E52-BEC2812B6621}"/>
               </a:ext>
             </a:extLst>
           </p:cNvPr>
@@ -894,7 +894,7 @@
           <p:cNvPr id="6" name="灯片编号占位符 5">
             <a:extLst>
               <a:ext uri="{FF2B5EF4-FFF2-40B4-BE49-F238E27FC236}">
-                <a16:creationId xmlns:a16="http://schemas.microsoft.com/office/drawing/2014/main" id="{1B1BC1BA-1CD9-8D06-21AB-841BB1FC8599}"/>
+                <a16:creationId xmlns:a16="http://schemas.microsoft.com/office/drawing/2014/main" id="{174D2863-2AB5-B7B8-6E9C-01993E0D6D6F}"/>
               </a:ext>
             </a:extLst>
           </p:cNvPr>
@@ -910,7 +910,7 @@
           <a:bodyPr/>
           <a:lstStyle/>
           <a:p>
-            <a:fld id="{939FE47B-72E5-430A-A097-671EFC44DD52}" type="slidenum">
+            <a:fld id="{D0AC92BF-18C8-4B48-960F-DBA0AC4418F4}" type="slidenum">
               <a:rPr lang="zh-CN" altLang="en-US" smtClean="0"/>
               <a:t>‹#›</a:t>
             </a:fld>
@@ -921,7 +921,7 @@
     </p:spTree>
     <p:extLst>
       <p:ext uri="{BB962C8B-B14F-4D97-AF65-F5344CB8AC3E}">
-        <p14:creationId xmlns:p14="http://schemas.microsoft.com/office/powerpoint/2010/main" val="207562436"/>
+        <p14:creationId xmlns:p14="http://schemas.microsoft.com/office/powerpoint/2010/main" val="518899000"/>
       </p:ext>
     </p:extLst>
   </p:cSld>
@@ -953,7 +953,7 @@
           <p:cNvPr id="2" name="标题 1">
             <a:extLst>
               <a:ext uri="{FF2B5EF4-FFF2-40B4-BE49-F238E27FC236}">
-                <a16:creationId xmlns:a16="http://schemas.microsoft.com/office/drawing/2014/main" id="{51F374B5-2001-29FD-9606-1C0747612C5F}"/>
+                <a16:creationId xmlns:a16="http://schemas.microsoft.com/office/drawing/2014/main" id="{D2FC5D33-245E-1635-4159-7F4A5ED6529F}"/>
               </a:ext>
             </a:extLst>
           </p:cNvPr>
@@ -990,7 +990,7 @@
           <p:cNvPr id="3" name="文本占位符 2">
             <a:extLst>
               <a:ext uri="{FF2B5EF4-FFF2-40B4-BE49-F238E27FC236}">
-                <a16:creationId xmlns:a16="http://schemas.microsoft.com/office/drawing/2014/main" id="{8A5E7F4B-D498-CF2A-8D0C-BA1A7B8AD19F}"/>
+                <a16:creationId xmlns:a16="http://schemas.microsoft.com/office/drawing/2014/main" id="{EDEC1646-482C-C1A8-2DB4-15F6FE10C522}"/>
               </a:ext>
             </a:extLst>
           </p:cNvPr>
@@ -1115,7 +1115,7 @@
           <p:cNvPr id="4" name="日期占位符 3">
             <a:extLst>
               <a:ext uri="{FF2B5EF4-FFF2-40B4-BE49-F238E27FC236}">
-                <a16:creationId xmlns:a16="http://schemas.microsoft.com/office/drawing/2014/main" id="{EBECD949-E3FD-FDBB-9891-CB4873001C2C}"/>
+                <a16:creationId xmlns:a16="http://schemas.microsoft.com/office/drawing/2014/main" id="{A9091EE4-3380-C399-5B2D-9CBB6BF6D209}"/>
               </a:ext>
             </a:extLst>
           </p:cNvPr>
@@ -1131,7 +1131,7 @@
           <a:bodyPr/>
           <a:lstStyle/>
           <a:p>
-            <a:fld id="{ED50E743-C6FD-4797-9E8D-4F5930DD2321}" type="datetimeFigureOut">
+            <a:fld id="{B57CF7FD-743F-4B99-8D59-FC89C9AB5A3D}" type="datetimeFigureOut">
               <a:rPr lang="zh-CN" altLang="en-US" smtClean="0"/>
               <a:t>2024/3/10</a:t>
             </a:fld>
@@ -1144,7 +1144,7 @@
           <p:cNvPr id="5" name="页脚占位符 4">
             <a:extLst>
               <a:ext uri="{FF2B5EF4-FFF2-40B4-BE49-F238E27FC236}">
-                <a16:creationId xmlns:a16="http://schemas.microsoft.com/office/drawing/2014/main" id="{CC3BBC58-30FA-4433-A07B-90D4854A8D83}"/>
+                <a16:creationId xmlns:a16="http://schemas.microsoft.com/office/drawing/2014/main" id="{AFAEB5BD-4A93-B8DC-BAFA-5E5E02654FA2}"/>
               </a:ext>
             </a:extLst>
           </p:cNvPr>
@@ -1169,7 +1169,7 @@
           <p:cNvPr id="6" name="灯片编号占位符 5">
             <a:extLst>
               <a:ext uri="{FF2B5EF4-FFF2-40B4-BE49-F238E27FC236}">
-                <a16:creationId xmlns:a16="http://schemas.microsoft.com/office/drawing/2014/main" id="{A3176804-3A5F-4771-91A4-9956B1EB7212}"/>
+                <a16:creationId xmlns:a16="http://schemas.microsoft.com/office/drawing/2014/main" id="{46B417F3-97F1-D6A7-0024-DC09DE496BE0}"/>
               </a:ext>
             </a:extLst>
           </p:cNvPr>
@@ -1185,7 +1185,7 @@
           <a:bodyPr/>
           <a:lstStyle/>
           <a:p>
-            <a:fld id="{939FE47B-72E5-430A-A097-671EFC44DD52}" type="slidenum">
+            <a:fld id="{D0AC92BF-18C8-4B48-960F-DBA0AC4418F4}" type="slidenum">
               <a:rPr lang="zh-CN" altLang="en-US" smtClean="0"/>
               <a:t>‹#›</a:t>
             </a:fld>
@@ -1196,7 +1196,7 @@
     </p:spTree>
     <p:extLst>
       <p:ext uri="{BB962C8B-B14F-4D97-AF65-F5344CB8AC3E}">
-        <p14:creationId xmlns:p14="http://schemas.microsoft.com/office/powerpoint/2010/main" val="140294417"/>
+        <p14:creationId xmlns:p14="http://schemas.microsoft.com/office/powerpoint/2010/main" val="2498774681"/>
       </p:ext>
     </p:extLst>
   </p:cSld>
@@ -1228,7 +1228,7 @@
           <p:cNvPr id="2" name="标题 1">
             <a:extLst>
               <a:ext uri="{FF2B5EF4-FFF2-40B4-BE49-F238E27FC236}">
-                <a16:creationId xmlns:a16="http://schemas.microsoft.com/office/drawing/2014/main" id="{19811B13-E899-3B6D-32DC-71AEAD81C5D5}"/>
+                <a16:creationId xmlns:a16="http://schemas.microsoft.com/office/drawing/2014/main" id="{7312F2B6-3495-F95A-A2EF-15D88FBC09C8}"/>
               </a:ext>
             </a:extLst>
           </p:cNvPr>
@@ -1256,7 +1256,7 @@
           <p:cNvPr id="3" name="内容占位符 2">
             <a:extLst>
               <a:ext uri="{FF2B5EF4-FFF2-40B4-BE49-F238E27FC236}">
-                <a16:creationId xmlns:a16="http://schemas.microsoft.com/office/drawing/2014/main" id="{3061BA82-D4FF-9E48-56AD-8C95EEBE68F5}"/>
+                <a16:creationId xmlns:a16="http://schemas.microsoft.com/office/drawing/2014/main" id="{72452FD3-4914-3787-7A8E-F78E34DCFE9D}"/>
               </a:ext>
             </a:extLst>
           </p:cNvPr>
@@ -1318,7 +1318,7 @@
           <p:cNvPr id="4" name="内容占位符 3">
             <a:extLst>
               <a:ext uri="{FF2B5EF4-FFF2-40B4-BE49-F238E27FC236}">
-                <a16:creationId xmlns:a16="http://schemas.microsoft.com/office/drawing/2014/main" id="{002A2409-1418-115B-0F67-EA53674B17D2}"/>
+                <a16:creationId xmlns:a16="http://schemas.microsoft.com/office/drawing/2014/main" id="{AED03181-5742-FC76-509B-5D0602D8EB57}"/>
               </a:ext>
             </a:extLst>
           </p:cNvPr>
@@ -1380,7 +1380,7 @@
           <p:cNvPr id="5" name="日期占位符 4">
             <a:extLst>
               <a:ext uri="{FF2B5EF4-FFF2-40B4-BE49-F238E27FC236}">
-                <a16:creationId xmlns:a16="http://schemas.microsoft.com/office/drawing/2014/main" id="{1D1B0D51-01EA-927D-4FB6-5EE1A27DF0D2}"/>
+                <a16:creationId xmlns:a16="http://schemas.microsoft.com/office/drawing/2014/main" id="{11ED9052-29B4-C855-CD56-FF3E692BEB7E}"/>
               </a:ext>
             </a:extLst>
           </p:cNvPr>
@@ -1396,7 +1396,7 @@
           <a:bodyPr/>
           <a:lstStyle/>
           <a:p>
-            <a:fld id="{ED50E743-C6FD-4797-9E8D-4F5930DD2321}" type="datetimeFigureOut">
+            <a:fld id="{B57CF7FD-743F-4B99-8D59-FC89C9AB5A3D}" type="datetimeFigureOut">
               <a:rPr lang="zh-CN" altLang="en-US" smtClean="0"/>
               <a:t>2024/3/10</a:t>
             </a:fld>
@@ -1409,7 +1409,7 @@
           <p:cNvPr id="6" name="页脚占位符 5">
             <a:extLst>
               <a:ext uri="{FF2B5EF4-FFF2-40B4-BE49-F238E27FC236}">
-                <a16:creationId xmlns:a16="http://schemas.microsoft.com/office/drawing/2014/main" id="{30EA04FD-2310-918D-CCFC-A5A05D0849D6}"/>
+                <a16:creationId xmlns:a16="http://schemas.microsoft.com/office/drawing/2014/main" id="{4A8F1CBC-468A-3FF7-D3C7-2BBB33A052F3}"/>
               </a:ext>
             </a:extLst>
           </p:cNvPr>
@@ -1434,7 +1434,7 @@
           <p:cNvPr id="7" name="灯片编号占位符 6">
             <a:extLst>
               <a:ext uri="{FF2B5EF4-FFF2-40B4-BE49-F238E27FC236}">
-                <a16:creationId xmlns:a16="http://schemas.microsoft.com/office/drawing/2014/main" id="{51BD2D03-31FD-D9A2-C938-9180CC31C34A}"/>
+                <a16:creationId xmlns:a16="http://schemas.microsoft.com/office/drawing/2014/main" id="{2737EB6A-1D0E-806A-B40C-41A78F3C1FC5}"/>
               </a:ext>
             </a:extLst>
           </p:cNvPr>
@@ -1450,7 +1450,7 @@
           <a:bodyPr/>
           <a:lstStyle/>
           <a:p>
-            <a:fld id="{939FE47B-72E5-430A-A097-671EFC44DD52}" type="slidenum">
+            <a:fld id="{D0AC92BF-18C8-4B48-960F-DBA0AC4418F4}" type="slidenum">
               <a:rPr lang="zh-CN" altLang="en-US" smtClean="0"/>
               <a:t>‹#›</a:t>
             </a:fld>
@@ -1461,7 +1461,7 @@
     </p:spTree>
     <p:extLst>
       <p:ext uri="{BB962C8B-B14F-4D97-AF65-F5344CB8AC3E}">
-        <p14:creationId xmlns:p14="http://schemas.microsoft.com/office/powerpoint/2010/main" val="44476052"/>
+        <p14:creationId xmlns:p14="http://schemas.microsoft.com/office/powerpoint/2010/main" val="3807197735"/>
       </p:ext>
     </p:extLst>
   </p:cSld>
@@ -1493,7 +1493,7 @@
           <p:cNvPr id="2" name="标题 1">
             <a:extLst>
               <a:ext uri="{FF2B5EF4-FFF2-40B4-BE49-F238E27FC236}">
-                <a16:creationId xmlns:a16="http://schemas.microsoft.com/office/drawing/2014/main" id="{2A41D984-A9C9-229E-88A9-515EBC18482C}"/>
+                <a16:creationId xmlns:a16="http://schemas.microsoft.com/office/drawing/2014/main" id="{2A12DD12-167A-6BCC-1D49-5AD0F2D325A1}"/>
               </a:ext>
             </a:extLst>
           </p:cNvPr>
@@ -1526,7 +1526,7 @@
           <p:cNvPr id="3" name="文本占位符 2">
             <a:extLst>
               <a:ext uri="{FF2B5EF4-FFF2-40B4-BE49-F238E27FC236}">
-                <a16:creationId xmlns:a16="http://schemas.microsoft.com/office/drawing/2014/main" id="{55CFFAD4-5D4C-25F7-4403-01F23598DE24}"/>
+                <a16:creationId xmlns:a16="http://schemas.microsoft.com/office/drawing/2014/main" id="{F3CEF33D-947B-5DC7-7622-663EDD86CEA8}"/>
               </a:ext>
             </a:extLst>
           </p:cNvPr>
@@ -1597,7 +1597,7 @@
           <p:cNvPr id="4" name="内容占位符 3">
             <a:extLst>
               <a:ext uri="{FF2B5EF4-FFF2-40B4-BE49-F238E27FC236}">
-                <a16:creationId xmlns:a16="http://schemas.microsoft.com/office/drawing/2014/main" id="{79203840-40D4-415E-AFEB-23EEEA06B2C4}"/>
+                <a16:creationId xmlns:a16="http://schemas.microsoft.com/office/drawing/2014/main" id="{B4CADC9A-7516-ACAD-8509-A1A412B6E5C5}"/>
               </a:ext>
             </a:extLst>
           </p:cNvPr>
@@ -1659,7 +1659,7 @@
           <p:cNvPr id="5" name="文本占位符 4">
             <a:extLst>
               <a:ext uri="{FF2B5EF4-FFF2-40B4-BE49-F238E27FC236}">
-                <a16:creationId xmlns:a16="http://schemas.microsoft.com/office/drawing/2014/main" id="{1572EE0A-A8A8-788E-E778-8726FE5B2638}"/>
+                <a16:creationId xmlns:a16="http://schemas.microsoft.com/office/drawing/2014/main" id="{25414ADE-7438-0162-2620-2BF84B414A70}"/>
               </a:ext>
             </a:extLst>
           </p:cNvPr>
@@ -1730,7 +1730,7 @@
           <p:cNvPr id="6" name="内容占位符 5">
             <a:extLst>
               <a:ext uri="{FF2B5EF4-FFF2-40B4-BE49-F238E27FC236}">
-                <a16:creationId xmlns:a16="http://schemas.microsoft.com/office/drawing/2014/main" id="{22840115-FF67-0B5E-56C9-002D40087369}"/>
+                <a16:creationId xmlns:a16="http://schemas.microsoft.com/office/drawing/2014/main" id="{C06F8A8F-C6CC-678D-B846-4F0219E358C6}"/>
               </a:ext>
             </a:extLst>
           </p:cNvPr>
@@ -1792,7 +1792,7 @@
           <p:cNvPr id="7" name="日期占位符 6">
             <a:extLst>
               <a:ext uri="{FF2B5EF4-FFF2-40B4-BE49-F238E27FC236}">
-                <a16:creationId xmlns:a16="http://schemas.microsoft.com/office/drawing/2014/main" id="{9F65077D-9FF5-7704-42C9-8DD503D30F49}"/>
+                <a16:creationId xmlns:a16="http://schemas.microsoft.com/office/drawing/2014/main" id="{3BFAACE6-5E3F-9CBB-0C1F-1AC4DC0C6AEB}"/>
               </a:ext>
             </a:extLst>
           </p:cNvPr>
@@ -1808,7 +1808,7 @@
           <a:bodyPr/>
           <a:lstStyle/>
           <a:p>
-            <a:fld id="{ED50E743-C6FD-4797-9E8D-4F5930DD2321}" type="datetimeFigureOut">
+            <a:fld id="{B57CF7FD-743F-4B99-8D59-FC89C9AB5A3D}" type="datetimeFigureOut">
               <a:rPr lang="zh-CN" altLang="en-US" smtClean="0"/>
               <a:t>2024/3/10</a:t>
             </a:fld>
@@ -1821,7 +1821,7 @@
           <p:cNvPr id="8" name="页脚占位符 7">
             <a:extLst>
               <a:ext uri="{FF2B5EF4-FFF2-40B4-BE49-F238E27FC236}">
-                <a16:creationId xmlns:a16="http://schemas.microsoft.com/office/drawing/2014/main" id="{6B8D23A3-4D6F-6CE0-FD14-A41E1CF0F4B2}"/>
+                <a16:creationId xmlns:a16="http://schemas.microsoft.com/office/drawing/2014/main" id="{9AE76207-25DA-69A8-3C20-01FE9E30C2E9}"/>
               </a:ext>
             </a:extLst>
           </p:cNvPr>
@@ -1846,7 +1846,7 @@
           <p:cNvPr id="9" name="灯片编号占位符 8">
             <a:extLst>
               <a:ext uri="{FF2B5EF4-FFF2-40B4-BE49-F238E27FC236}">
-                <a16:creationId xmlns:a16="http://schemas.microsoft.com/office/drawing/2014/main" id="{80B2367B-F275-655C-4129-FDD0728F27AA}"/>
+                <a16:creationId xmlns:a16="http://schemas.microsoft.com/office/drawing/2014/main" id="{443A72B2-C35C-E5E2-0BEB-9097DA6FCD6E}"/>
               </a:ext>
             </a:extLst>
           </p:cNvPr>
@@ -1862,7 +1862,7 @@
           <a:bodyPr/>
           <a:lstStyle/>
           <a:p>
-            <a:fld id="{939FE47B-72E5-430A-A097-671EFC44DD52}" type="slidenum">
+            <a:fld id="{D0AC92BF-18C8-4B48-960F-DBA0AC4418F4}" type="slidenum">
               <a:rPr lang="zh-CN" altLang="en-US" smtClean="0"/>
               <a:t>‹#›</a:t>
             </a:fld>
@@ -1873,7 +1873,7 @@
     </p:spTree>
     <p:extLst>
       <p:ext uri="{BB962C8B-B14F-4D97-AF65-F5344CB8AC3E}">
-        <p14:creationId xmlns:p14="http://schemas.microsoft.com/office/powerpoint/2010/main" val="3514864709"/>
+        <p14:creationId xmlns:p14="http://schemas.microsoft.com/office/powerpoint/2010/main" val="638278832"/>
       </p:ext>
     </p:extLst>
   </p:cSld>
@@ -1905,7 +1905,7 @@
           <p:cNvPr id="2" name="标题 1">
             <a:extLst>
               <a:ext uri="{FF2B5EF4-FFF2-40B4-BE49-F238E27FC236}">
-                <a16:creationId xmlns:a16="http://schemas.microsoft.com/office/drawing/2014/main" id="{7694E9C5-EA52-E7DE-91DA-1D5898DD0C12}"/>
+                <a16:creationId xmlns:a16="http://schemas.microsoft.com/office/drawing/2014/main" id="{578C3676-9A62-C9D3-7397-7AE6A9ABB757}"/>
               </a:ext>
             </a:extLst>
           </p:cNvPr>
@@ -1933,7 +1933,7 @@
           <p:cNvPr id="3" name="日期占位符 2">
             <a:extLst>
               <a:ext uri="{FF2B5EF4-FFF2-40B4-BE49-F238E27FC236}">
-                <a16:creationId xmlns:a16="http://schemas.microsoft.com/office/drawing/2014/main" id="{13BD29CA-D41F-F9C8-FE59-B27B6FAEC5EB}"/>
+                <a16:creationId xmlns:a16="http://schemas.microsoft.com/office/drawing/2014/main" id="{6DF9D981-2A3B-0D8B-B1CB-458EF52FC412}"/>
               </a:ext>
             </a:extLst>
           </p:cNvPr>
@@ -1949,7 +1949,7 @@
           <a:bodyPr/>
           <a:lstStyle/>
           <a:p>
-            <a:fld id="{ED50E743-C6FD-4797-9E8D-4F5930DD2321}" type="datetimeFigureOut">
+            <a:fld id="{B57CF7FD-743F-4B99-8D59-FC89C9AB5A3D}" type="datetimeFigureOut">
               <a:rPr lang="zh-CN" altLang="en-US" smtClean="0"/>
               <a:t>2024/3/10</a:t>
             </a:fld>
@@ -1962,7 +1962,7 @@
           <p:cNvPr id="4" name="页脚占位符 3">
             <a:extLst>
               <a:ext uri="{FF2B5EF4-FFF2-40B4-BE49-F238E27FC236}">
-                <a16:creationId xmlns:a16="http://schemas.microsoft.com/office/drawing/2014/main" id="{5FD18F40-FA27-1D0D-8CC0-63C77DFE711A}"/>
+                <a16:creationId xmlns:a16="http://schemas.microsoft.com/office/drawing/2014/main" id="{C0794CDF-2104-54B7-1365-EA3F82EE6B95}"/>
               </a:ext>
             </a:extLst>
           </p:cNvPr>
@@ -1987,7 +1987,7 @@
           <p:cNvPr id="5" name="灯片编号占位符 4">
             <a:extLst>
               <a:ext uri="{FF2B5EF4-FFF2-40B4-BE49-F238E27FC236}">
-                <a16:creationId xmlns:a16="http://schemas.microsoft.com/office/drawing/2014/main" id="{B6C1C9EC-8EB2-3CD3-5776-A2BE18C5B01B}"/>
+                <a16:creationId xmlns:a16="http://schemas.microsoft.com/office/drawing/2014/main" id="{0239EF06-49D1-2A83-341A-4B3533F9F3FF}"/>
               </a:ext>
             </a:extLst>
           </p:cNvPr>
@@ -2003,7 +2003,7 @@
           <a:bodyPr/>
           <a:lstStyle/>
           <a:p>
-            <a:fld id="{939FE47B-72E5-430A-A097-671EFC44DD52}" type="slidenum">
+            <a:fld id="{D0AC92BF-18C8-4B48-960F-DBA0AC4418F4}" type="slidenum">
               <a:rPr lang="zh-CN" altLang="en-US" smtClean="0"/>
               <a:t>‹#›</a:t>
             </a:fld>
@@ -2014,7 +2014,7 @@
     </p:spTree>
     <p:extLst>
       <p:ext uri="{BB962C8B-B14F-4D97-AF65-F5344CB8AC3E}">
-        <p14:creationId xmlns:p14="http://schemas.microsoft.com/office/powerpoint/2010/main" val="2337480649"/>
+        <p14:creationId xmlns:p14="http://schemas.microsoft.com/office/powerpoint/2010/main" val="1864933948"/>
       </p:ext>
     </p:extLst>
   </p:cSld>
@@ -2046,7 +2046,7 @@
           <p:cNvPr id="2" name="日期占位符 1">
             <a:extLst>
               <a:ext uri="{FF2B5EF4-FFF2-40B4-BE49-F238E27FC236}">
-                <a16:creationId xmlns:a16="http://schemas.microsoft.com/office/drawing/2014/main" id="{424B67DE-7433-C36D-0564-2A58BF45ED7F}"/>
+                <a16:creationId xmlns:a16="http://schemas.microsoft.com/office/drawing/2014/main" id="{A937C3D8-EB72-1DB6-B022-1A81D3CF6442}"/>
               </a:ext>
             </a:extLst>
           </p:cNvPr>
@@ -2062,7 +2062,7 @@
           <a:bodyPr/>
           <a:lstStyle/>
           <a:p>
-            <a:fld id="{ED50E743-C6FD-4797-9E8D-4F5930DD2321}" type="datetimeFigureOut">
+            <a:fld id="{B57CF7FD-743F-4B99-8D59-FC89C9AB5A3D}" type="datetimeFigureOut">
               <a:rPr lang="zh-CN" altLang="en-US" smtClean="0"/>
               <a:t>2024/3/10</a:t>
             </a:fld>
@@ -2075,7 +2075,7 @@
           <p:cNvPr id="3" name="页脚占位符 2">
             <a:extLst>
               <a:ext uri="{FF2B5EF4-FFF2-40B4-BE49-F238E27FC236}">
-                <a16:creationId xmlns:a16="http://schemas.microsoft.com/office/drawing/2014/main" id="{5CF85405-8420-B033-F7C4-51C6DE35A7C5}"/>
+                <a16:creationId xmlns:a16="http://schemas.microsoft.com/office/drawing/2014/main" id="{137BAF84-C211-683F-6D09-195F473AF19B}"/>
               </a:ext>
             </a:extLst>
           </p:cNvPr>
@@ -2100,7 +2100,7 @@
           <p:cNvPr id="4" name="灯片编号占位符 3">
             <a:extLst>
               <a:ext uri="{FF2B5EF4-FFF2-40B4-BE49-F238E27FC236}">
-                <a16:creationId xmlns:a16="http://schemas.microsoft.com/office/drawing/2014/main" id="{BA6AA2DB-6482-8F25-2913-0FADFD47F45F}"/>
+                <a16:creationId xmlns:a16="http://schemas.microsoft.com/office/drawing/2014/main" id="{CAB7EAAC-01F9-B359-5EF4-4F588270C13D}"/>
               </a:ext>
             </a:extLst>
           </p:cNvPr>
@@ -2116,7 +2116,7 @@
           <a:bodyPr/>
           <a:lstStyle/>
           <a:p>
-            <a:fld id="{939FE47B-72E5-430A-A097-671EFC44DD52}" type="slidenum">
+            <a:fld id="{D0AC92BF-18C8-4B48-960F-DBA0AC4418F4}" type="slidenum">
               <a:rPr lang="zh-CN" altLang="en-US" smtClean="0"/>
               <a:t>‹#›</a:t>
             </a:fld>
@@ -2127,7 +2127,7 @@
     </p:spTree>
     <p:extLst>
       <p:ext uri="{BB962C8B-B14F-4D97-AF65-F5344CB8AC3E}">
-        <p14:creationId xmlns:p14="http://schemas.microsoft.com/office/powerpoint/2010/main" val="1775840165"/>
+        <p14:creationId xmlns:p14="http://schemas.microsoft.com/office/powerpoint/2010/main" val="4176596931"/>
       </p:ext>
     </p:extLst>
   </p:cSld>
@@ -2159,7 +2159,7 @@
           <p:cNvPr id="2" name="标题 1">
             <a:extLst>
               <a:ext uri="{FF2B5EF4-FFF2-40B4-BE49-F238E27FC236}">
-                <a16:creationId xmlns:a16="http://schemas.microsoft.com/office/drawing/2014/main" id="{CA7796F8-DF91-1056-DAAD-FE6518DAB0C7}"/>
+                <a16:creationId xmlns:a16="http://schemas.microsoft.com/office/drawing/2014/main" id="{F4CC91F7-2B6F-F779-F2A9-2BB4788CCBD3}"/>
               </a:ext>
             </a:extLst>
           </p:cNvPr>
@@ -2196,7 +2196,7 @@
           <p:cNvPr id="3" name="内容占位符 2">
             <a:extLst>
               <a:ext uri="{FF2B5EF4-FFF2-40B4-BE49-F238E27FC236}">
-                <a16:creationId xmlns:a16="http://schemas.microsoft.com/office/drawing/2014/main" id="{A9EB9A2C-0127-F702-D9FA-11FD65811F2A}"/>
+                <a16:creationId xmlns:a16="http://schemas.microsoft.com/office/drawing/2014/main" id="{B583B26A-FC5B-DAD0-E5B0-7D0DAA2AF9E2}"/>
               </a:ext>
             </a:extLst>
           </p:cNvPr>
@@ -2286,7 +2286,7 @@
           <p:cNvPr id="4" name="文本占位符 3">
             <a:extLst>
               <a:ext uri="{FF2B5EF4-FFF2-40B4-BE49-F238E27FC236}">
-                <a16:creationId xmlns:a16="http://schemas.microsoft.com/office/drawing/2014/main" id="{F1E8EEFB-78A4-E759-6114-DD0C696918F4}"/>
+                <a16:creationId xmlns:a16="http://schemas.microsoft.com/office/drawing/2014/main" id="{BF9E7A90-FD45-DEC4-F934-87C4F70B42B8}"/>
               </a:ext>
             </a:extLst>
           </p:cNvPr>
@@ -2357,7 +2357,7 @@
           <p:cNvPr id="5" name="日期占位符 4">
             <a:extLst>
               <a:ext uri="{FF2B5EF4-FFF2-40B4-BE49-F238E27FC236}">
-                <a16:creationId xmlns:a16="http://schemas.microsoft.com/office/drawing/2014/main" id="{7CA53AC2-770D-E8E7-303C-73CC0CA8B815}"/>
+                <a16:creationId xmlns:a16="http://schemas.microsoft.com/office/drawing/2014/main" id="{9E8E11F9-2115-704B-21D0-0D8943EBCFBC}"/>
               </a:ext>
             </a:extLst>
           </p:cNvPr>
@@ -2373,7 +2373,7 @@
           <a:bodyPr/>
           <a:lstStyle/>
           <a:p>
-            <a:fld id="{ED50E743-C6FD-4797-9E8D-4F5930DD2321}" type="datetimeFigureOut">
+            <a:fld id="{B57CF7FD-743F-4B99-8D59-FC89C9AB5A3D}" type="datetimeFigureOut">
               <a:rPr lang="zh-CN" altLang="en-US" smtClean="0"/>
               <a:t>2024/3/10</a:t>
             </a:fld>
@@ -2386,7 +2386,7 @@
           <p:cNvPr id="6" name="页脚占位符 5">
             <a:extLst>
               <a:ext uri="{FF2B5EF4-FFF2-40B4-BE49-F238E27FC236}">
-                <a16:creationId xmlns:a16="http://schemas.microsoft.com/office/drawing/2014/main" id="{4B072834-ED57-D32C-9F39-120EE89C3DF8}"/>
+                <a16:creationId xmlns:a16="http://schemas.microsoft.com/office/drawing/2014/main" id="{B454A46C-A096-385B-29AD-3DF82FB9BF3E}"/>
               </a:ext>
             </a:extLst>
           </p:cNvPr>
@@ -2411,7 +2411,7 @@
           <p:cNvPr id="7" name="灯片编号占位符 6">
             <a:extLst>
               <a:ext uri="{FF2B5EF4-FFF2-40B4-BE49-F238E27FC236}">
-                <a16:creationId xmlns:a16="http://schemas.microsoft.com/office/drawing/2014/main" id="{6154DF02-B957-EF5F-2FA2-9124B0C2D223}"/>
+                <a16:creationId xmlns:a16="http://schemas.microsoft.com/office/drawing/2014/main" id="{EA96A9C9-8316-8B14-6606-0D1ED964E614}"/>
               </a:ext>
             </a:extLst>
           </p:cNvPr>
@@ -2427,7 +2427,7 @@
           <a:bodyPr/>
           <a:lstStyle/>
           <a:p>
-            <a:fld id="{939FE47B-72E5-430A-A097-671EFC44DD52}" type="slidenum">
+            <a:fld id="{D0AC92BF-18C8-4B48-960F-DBA0AC4418F4}" type="slidenum">
               <a:rPr lang="zh-CN" altLang="en-US" smtClean="0"/>
               <a:t>‹#›</a:t>
             </a:fld>
@@ -2438,7 +2438,7 @@
     </p:spTree>
     <p:extLst>
       <p:ext uri="{BB962C8B-B14F-4D97-AF65-F5344CB8AC3E}">
-        <p14:creationId xmlns:p14="http://schemas.microsoft.com/office/powerpoint/2010/main" val="4022177998"/>
+        <p14:creationId xmlns:p14="http://schemas.microsoft.com/office/powerpoint/2010/main" val="2468663252"/>
       </p:ext>
     </p:extLst>
   </p:cSld>
@@ -2470,7 +2470,7 @@
           <p:cNvPr id="2" name="标题 1">
             <a:extLst>
               <a:ext uri="{FF2B5EF4-FFF2-40B4-BE49-F238E27FC236}">
-                <a16:creationId xmlns:a16="http://schemas.microsoft.com/office/drawing/2014/main" id="{78F6FAE4-FFDA-6FEA-B35A-D7297F7F5F28}"/>
+                <a16:creationId xmlns:a16="http://schemas.microsoft.com/office/drawing/2014/main" id="{4943BC99-8132-7679-AFE0-136E0BDB9C22}"/>
               </a:ext>
             </a:extLst>
           </p:cNvPr>
@@ -2507,7 +2507,7 @@
           <p:cNvPr id="3" name="图片占位符 2">
             <a:extLst>
               <a:ext uri="{FF2B5EF4-FFF2-40B4-BE49-F238E27FC236}">
-                <a16:creationId xmlns:a16="http://schemas.microsoft.com/office/drawing/2014/main" id="{827A07A4-AE2C-9948-BE92-FB638E7E1B81}"/>
+                <a16:creationId xmlns:a16="http://schemas.microsoft.com/office/drawing/2014/main" id="{CD2A65E6-9AED-8268-6BE1-B8899D600AEF}"/>
               </a:ext>
             </a:extLst>
           </p:cNvPr>
@@ -2574,7 +2574,7 @@
           <p:cNvPr id="4" name="文本占位符 3">
             <a:extLst>
               <a:ext uri="{FF2B5EF4-FFF2-40B4-BE49-F238E27FC236}">
-                <a16:creationId xmlns:a16="http://schemas.microsoft.com/office/drawing/2014/main" id="{E2AF5ABB-2B39-1DB5-0A2E-1825DD560AB2}"/>
+                <a16:creationId xmlns:a16="http://schemas.microsoft.com/office/drawing/2014/main" id="{5C96B6D8-26C2-5ACD-67B2-FF69D7296D45}"/>
               </a:ext>
             </a:extLst>
           </p:cNvPr>
@@ -2645,7 +2645,7 @@
           <p:cNvPr id="5" name="日期占位符 4">
             <a:extLst>
               <a:ext uri="{FF2B5EF4-FFF2-40B4-BE49-F238E27FC236}">
-                <a16:creationId xmlns:a16="http://schemas.microsoft.com/office/drawing/2014/main" id="{0051657E-6AA5-8935-5C71-BD7A98094B5D}"/>
+                <a16:creationId xmlns:a16="http://schemas.microsoft.com/office/drawing/2014/main" id="{708832DA-AC58-5596-4657-92F1BACA8672}"/>
               </a:ext>
             </a:extLst>
           </p:cNvPr>
@@ -2661,7 +2661,7 @@
           <a:bodyPr/>
           <a:lstStyle/>
           <a:p>
-            <a:fld id="{ED50E743-C6FD-4797-9E8D-4F5930DD2321}" type="datetimeFigureOut">
+            <a:fld id="{B57CF7FD-743F-4B99-8D59-FC89C9AB5A3D}" type="datetimeFigureOut">
               <a:rPr lang="zh-CN" altLang="en-US" smtClean="0"/>
               <a:t>2024/3/10</a:t>
             </a:fld>
@@ -2674,7 +2674,7 @@
           <p:cNvPr id="6" name="页脚占位符 5">
             <a:extLst>
               <a:ext uri="{FF2B5EF4-FFF2-40B4-BE49-F238E27FC236}">
-                <a16:creationId xmlns:a16="http://schemas.microsoft.com/office/drawing/2014/main" id="{1C1EB655-8869-C346-189E-689097D84D43}"/>
+                <a16:creationId xmlns:a16="http://schemas.microsoft.com/office/drawing/2014/main" id="{8867AD9B-F96E-3672-EEAD-D05C460D310C}"/>
               </a:ext>
             </a:extLst>
           </p:cNvPr>
@@ -2699,7 +2699,7 @@
           <p:cNvPr id="7" name="灯片编号占位符 6">
             <a:extLst>
               <a:ext uri="{FF2B5EF4-FFF2-40B4-BE49-F238E27FC236}">
-                <a16:creationId xmlns:a16="http://schemas.microsoft.com/office/drawing/2014/main" id="{4773966A-D485-2781-C06D-24EC3BF2C3DE}"/>
+                <a16:creationId xmlns:a16="http://schemas.microsoft.com/office/drawing/2014/main" id="{0EC3AEF8-45A5-8CE8-EF64-5056F6388EDD}"/>
               </a:ext>
             </a:extLst>
           </p:cNvPr>
@@ -2715,7 +2715,7 @@
           <a:bodyPr/>
           <a:lstStyle/>
           <a:p>
-            <a:fld id="{939FE47B-72E5-430A-A097-671EFC44DD52}" type="slidenum">
+            <a:fld id="{D0AC92BF-18C8-4B48-960F-DBA0AC4418F4}" type="slidenum">
               <a:rPr lang="zh-CN" altLang="en-US" smtClean="0"/>
               <a:t>‹#›</a:t>
             </a:fld>
@@ -2726,7 +2726,7 @@
     </p:spTree>
     <p:extLst>
       <p:ext uri="{BB962C8B-B14F-4D97-AF65-F5344CB8AC3E}">
-        <p14:creationId xmlns:p14="http://schemas.microsoft.com/office/powerpoint/2010/main" val="2398891956"/>
+        <p14:creationId xmlns:p14="http://schemas.microsoft.com/office/powerpoint/2010/main" val="733643774"/>
       </p:ext>
     </p:extLst>
   </p:cSld>
@@ -2763,7 +2763,7 @@
           <p:cNvPr id="2" name="标题占位符 1">
             <a:extLst>
               <a:ext uri="{FF2B5EF4-FFF2-40B4-BE49-F238E27FC236}">
-                <a16:creationId xmlns:a16="http://schemas.microsoft.com/office/drawing/2014/main" id="{64DDCCC6-BD15-B249-BEFA-7ADEA90A7B10}"/>
+                <a16:creationId xmlns:a16="http://schemas.microsoft.com/office/drawing/2014/main" id="{ADB817B6-5A6C-5A30-E59B-F139D4CD7DF9}"/>
               </a:ext>
             </a:extLst>
           </p:cNvPr>
@@ -2801,7 +2801,7 @@
           <p:cNvPr id="3" name="文本占位符 2">
             <a:extLst>
               <a:ext uri="{FF2B5EF4-FFF2-40B4-BE49-F238E27FC236}">
-                <a16:creationId xmlns:a16="http://schemas.microsoft.com/office/drawing/2014/main" id="{7BC1EA3F-7BC2-B683-1390-95FA2B50B6E8}"/>
+                <a16:creationId xmlns:a16="http://schemas.microsoft.com/office/drawing/2014/main" id="{2D808312-6F62-BABC-7848-28FC79104842}"/>
               </a:ext>
             </a:extLst>
           </p:cNvPr>
@@ -2868,7 +2868,7 @@
           <p:cNvPr id="4" name="日期占位符 3">
             <a:extLst>
               <a:ext uri="{FF2B5EF4-FFF2-40B4-BE49-F238E27FC236}">
-                <a16:creationId xmlns:a16="http://schemas.microsoft.com/office/drawing/2014/main" id="{BA9429D0-B971-5E89-7F10-E59D429D25BA}"/>
+                <a16:creationId xmlns:a16="http://schemas.microsoft.com/office/drawing/2014/main" id="{A5E9B96D-A0EF-1300-0F30-E4214D362B0F}"/>
               </a:ext>
             </a:extLst>
           </p:cNvPr>
@@ -2902,7 +2902,7 @@
             </a:lvl1pPr>
           </a:lstStyle>
           <a:p>
-            <a:fld id="{ED50E743-C6FD-4797-9E8D-4F5930DD2321}" type="datetimeFigureOut">
+            <a:fld id="{B57CF7FD-743F-4B99-8D59-FC89C9AB5A3D}" type="datetimeFigureOut">
               <a:rPr lang="zh-CN" altLang="en-US" smtClean="0"/>
               <a:t>2024/3/10</a:t>
             </a:fld>
@@ -2915,7 +2915,7 @@
           <p:cNvPr id="5" name="页脚占位符 4">
             <a:extLst>
               <a:ext uri="{FF2B5EF4-FFF2-40B4-BE49-F238E27FC236}">
-                <a16:creationId xmlns:a16="http://schemas.microsoft.com/office/drawing/2014/main" id="{C3789F8C-386B-5186-7364-48AA59C5A4B2}"/>
+                <a16:creationId xmlns:a16="http://schemas.microsoft.com/office/drawing/2014/main" id="{540B6B42-3EBE-3A66-19A4-80848AF9785E}"/>
               </a:ext>
             </a:extLst>
           </p:cNvPr>
@@ -2958,7 +2958,7 @@
           <p:cNvPr id="6" name="灯片编号占位符 5">
             <a:extLst>
               <a:ext uri="{FF2B5EF4-FFF2-40B4-BE49-F238E27FC236}">
-                <a16:creationId xmlns:a16="http://schemas.microsoft.com/office/drawing/2014/main" id="{2140785A-5CC4-C790-F653-04473AF14D76}"/>
+                <a16:creationId xmlns:a16="http://schemas.microsoft.com/office/drawing/2014/main" id="{2D3BC82C-9886-B146-2E23-17EFB45A2BF8}"/>
               </a:ext>
             </a:extLst>
           </p:cNvPr>
@@ -2992,7 +2992,7 @@
             </a:lvl1pPr>
           </a:lstStyle>
           <a:p>
-            <a:fld id="{939FE47B-72E5-430A-A097-671EFC44DD52}" type="slidenum">
+            <a:fld id="{D0AC92BF-18C8-4B48-960F-DBA0AC4418F4}" type="slidenum">
               <a:rPr lang="zh-CN" altLang="en-US" smtClean="0"/>
               <a:t>‹#›</a:t>
             </a:fld>
@@ -3003,7 +3003,7 @@
     </p:spTree>
     <p:extLst>
       <p:ext uri="{BB962C8B-B14F-4D97-AF65-F5344CB8AC3E}">
-        <p14:creationId xmlns:p14="http://schemas.microsoft.com/office/powerpoint/2010/main" val="3009730584"/>
+        <p14:creationId xmlns:p14="http://schemas.microsoft.com/office/powerpoint/2010/main" val="421516420"/>
       </p:ext>
     </p:extLst>
   </p:cSld>
